--- a/Documents/Presentation.pptx
+++ b/Documents/Presentation.pptx
@@ -3121,7 +3121,7 @@
         </p:nvSpPr>
         <p:spPr>
           <a:xfrm>
-            <a:off x="0" y="3124200"/>
+            <a:off x="0" y="2895600"/>
             <a:ext cx="9144000" cy="830997"/>
           </a:xfrm>
           <a:prstGeom prst="rect">
@@ -3152,7 +3152,7 @@
         </p:nvSpPr>
         <p:spPr>
           <a:xfrm>
-            <a:off x="304800" y="533400"/>
+            <a:off x="304800" y="304800"/>
             <a:ext cx="3000375" cy="461665"/>
           </a:xfrm>
           <a:prstGeom prst="rect">
@@ -3183,7 +3183,7 @@
         </p:nvSpPr>
         <p:spPr>
           <a:xfrm>
-            <a:off x="6019800" y="6015335"/>
+            <a:off x="6019800" y="5786735"/>
             <a:ext cx="3000375" cy="461665"/>
           </a:xfrm>
           <a:prstGeom prst="rect">
@@ -3229,7 +3229,7 @@
         </p:blipFill>
         <p:spPr bwMode="auto">
           <a:xfrm>
-            <a:off x="376876" y="1269605"/>
+            <a:off x="376876" y="1041005"/>
             <a:ext cx="2899724" cy="5157916"/>
           </a:xfrm>
           <a:prstGeom prst="rect">
@@ -3283,7 +3283,7 @@
         </p:blipFill>
         <p:spPr bwMode="auto">
           <a:xfrm>
-            <a:off x="6040395" y="533400"/>
+            <a:off x="6040395" y="304800"/>
             <a:ext cx="2899724" cy="5157916"/>
           </a:xfrm>
           <a:prstGeom prst="rect">
@@ -3314,6 +3314,39 @@
           </a:extLst>
         </p:spPr>
       </p:pic>
+      <p:sp>
+        <p:nvSpPr>
+          <p:cNvPr id="2" name="TextBox 1"/>
+          <p:cNvSpPr txBox="1"/>
+          <p:nvPr/>
+        </p:nvSpPr>
+        <p:spPr>
+          <a:xfrm>
+            <a:off x="1066800" y="6427521"/>
+            <a:ext cx="7239000" cy="369332"/>
+          </a:xfrm>
+          <a:prstGeom prst="rect">
+            <a:avLst/>
+          </a:prstGeom>
+          <a:noFill/>
+        </p:spPr>
+        <p:txBody>
+          <a:bodyPr wrap="square" rtlCol="0">
+            <a:spAutoFit/>
+          </a:bodyPr>
+          <a:lstStyle/>
+          <a:p>
+            <a:pPr algn="ctr"/>
+            <a:r>
+              <a:rPr lang="en-US" dirty="0">
+                <a:hlinkClick r:id="rId4"/>
+              </a:rPr>
+              <a:t>https://github.com/almajeas/Reminda</a:t>
+            </a:r>
+            <a:endParaRPr lang="en-US" dirty="0"/>
+          </a:p>
+        </p:txBody>
+      </p:sp>
     </p:spTree>
     <p:extLst>
       <p:ext uri="{BB962C8B-B14F-4D97-AF65-F5344CB8AC3E}">
@@ -3324,6 +3357,13 @@
   <p:clrMapOvr>
     <a:masterClrMapping/>
   </p:clrMapOvr>
+  <p:timing>
+    <p:tnLst>
+      <p:par>
+        <p:cTn id="1" dur="indefinite" restart="never" nodeType="tmRoot"/>
+      </p:par>
+    </p:tnLst>
+  </p:timing>
 </p:sld>
 </file>
 
@@ -3488,6 +3528,39 @@
           </a:extLst>
         </p:spPr>
       </p:pic>
+      <p:sp>
+        <p:nvSpPr>
+          <p:cNvPr id="5" name="TextBox 4"/>
+          <p:cNvSpPr txBox="1"/>
+          <p:nvPr/>
+        </p:nvSpPr>
+        <p:spPr>
+          <a:xfrm>
+            <a:off x="1066800" y="6427521"/>
+            <a:ext cx="7239000" cy="369332"/>
+          </a:xfrm>
+          <a:prstGeom prst="rect">
+            <a:avLst/>
+          </a:prstGeom>
+          <a:noFill/>
+        </p:spPr>
+        <p:txBody>
+          <a:bodyPr wrap="square" rtlCol="0">
+            <a:spAutoFit/>
+          </a:bodyPr>
+          <a:lstStyle/>
+          <a:p>
+            <a:pPr algn="ctr"/>
+            <a:r>
+              <a:rPr lang="en-US" dirty="0">
+                <a:hlinkClick r:id="rId3"/>
+              </a:rPr>
+              <a:t>https://github.com/almajeas/Reminda</a:t>
+            </a:r>
+            <a:endParaRPr lang="en-US" dirty="0"/>
+          </a:p>
+        </p:txBody>
+      </p:sp>
     </p:spTree>
     <p:extLst>
       <p:ext uri="{BB962C8B-B14F-4D97-AF65-F5344CB8AC3E}">
@@ -3498,6 +3571,13 @@
   <p:clrMapOvr>
     <a:masterClrMapping/>
   </p:clrMapOvr>
+  <p:timing>
+    <p:tnLst>
+      <p:par>
+        <p:cTn id="1" dur="indefinite" restart="never" nodeType="tmRoot"/>
+      </p:par>
+    </p:tnLst>
+  </p:timing>
 </p:sld>
 </file>
 
@@ -4419,6 +4499,39 @@
           </a:p>
         </p:txBody>
       </p:sp>
+      <p:sp>
+        <p:nvSpPr>
+          <p:cNvPr id="3" name="TextBox 2"/>
+          <p:cNvSpPr txBox="1"/>
+          <p:nvPr/>
+        </p:nvSpPr>
+        <p:spPr>
+          <a:xfrm>
+            <a:off x="1066800" y="6427521"/>
+            <a:ext cx="7239000" cy="369332"/>
+          </a:xfrm>
+          <a:prstGeom prst="rect">
+            <a:avLst/>
+          </a:prstGeom>
+          <a:noFill/>
+        </p:spPr>
+        <p:txBody>
+          <a:bodyPr wrap="square" rtlCol="0">
+            <a:spAutoFit/>
+          </a:bodyPr>
+          <a:lstStyle/>
+          <a:p>
+            <a:pPr algn="ctr"/>
+            <a:r>
+              <a:rPr lang="en-US" dirty="0">
+                <a:hlinkClick r:id="rId2"/>
+              </a:rPr>
+              <a:t>https://github.com/almajeas/Reminda</a:t>
+            </a:r>
+            <a:endParaRPr lang="en-US" dirty="0"/>
+          </a:p>
+        </p:txBody>
+      </p:sp>
     </p:spTree>
     <p:extLst>
       <p:ext uri="{BB962C8B-B14F-4D97-AF65-F5344CB8AC3E}">
@@ -4429,6 +4542,13 @@
   <p:clrMapOvr>
     <a:masterClrMapping/>
   </p:clrMapOvr>
+  <p:timing>
+    <p:tnLst>
+      <p:par>
+        <p:cTn id="1" dur="indefinite" restart="never" nodeType="tmRoot"/>
+      </p:par>
+    </p:tnLst>
+  </p:timing>
 </p:sld>
 </file>
 
